--- a/instructors/07_Data-in-excel_v3.3.pptx
+++ b/instructors/07_Data-in-excel_v3.3.pptx
@@ -12572,7 +12572,7 @@
         <p:spPr>
           <a:xfrm>
             <a:off x="719579" y="2227704"/>
-            <a:ext cx="6096000" cy="2308324"/>
+            <a:ext cx="6096000" cy="3139321"/>
           </a:xfrm>
           <a:prstGeom prst="rect">
             <a:avLst/>
@@ -12660,6 +12660,48 @@
               </a:rPr>
               <a:t>It is easier to store data in the correct form than to clean data for reuse</a:t>
             </a:r>
+            <a:endParaRPr lang="pl-PL" dirty="0">
+              <a:solidFill>
+                <a:srgbClr val="0070C0"/>
+              </a:solidFill>
+            </a:endParaRPr>
+          </a:p>
+          <a:p>
+            <a:pPr marL="285750" indent="-285750">
+              <a:buFont typeface="Arial" panose="020B0604020202020204" pitchFamily="34" charset="0"/>
+              <a:buChar char="•"/>
+            </a:pPr>
+            <a:endParaRPr lang="pl-PL" dirty="0">
+              <a:solidFill>
+                <a:srgbClr val="0070C0"/>
+              </a:solidFill>
+            </a:endParaRPr>
+          </a:p>
+          <a:p>
+            <a:pPr marL="285750" indent="-285750">
+              <a:buFont typeface="Arial" panose="020B0604020202020204" pitchFamily="34" charset="0"/>
+              <a:buChar char="•"/>
+            </a:pPr>
+            <a:endParaRPr lang="pl-PL" dirty="0">
+              <a:solidFill>
+                <a:srgbClr val="0070C0"/>
+              </a:solidFill>
+            </a:endParaRPr>
+          </a:p>
+          <a:p>
+            <a:r>
+              <a:rPr lang="pl-PL" dirty="0">
+                <a:solidFill>
+                  <a:srgbClr val="0070C0"/>
+                </a:solidFill>
+              </a:rPr>
+              <a:t>DO THE QUIZ!!!</a:t>
+            </a:r>
+            <a:endParaRPr lang="en-GB" dirty="0">
+              <a:solidFill>
+                <a:srgbClr val="0070C0"/>
+              </a:solidFill>
+            </a:endParaRPr>
           </a:p>
         </p:txBody>
       </p:sp>
